--- a/5.Crypto/Cryptology7-Elliptic-Curve.pptx
+++ b/5.Crypto/Cryptology7-Elliptic-Curve.pptx
@@ -214,7 +214,7 @@
           <a:p>
             <a:fld id="{94D81996-0227-44CA-AC4C-032645537F57}" type="datetimeFigureOut">
               <a:rPr lang="en-US" smtClean="0"/>
-              <a:t>3/11/2019</a:t>
+              <a:t>11/25/2020</a:t>
             </a:fld>
             <a:endParaRPr lang="en-US"/>
           </a:p>
@@ -651,7 +651,7 @@
           <a:p>
             <a:r>
               <a:rPr lang="en-US" dirty="0"/>
-              <a:t>Curves and base points are usually selected ahead of time by standards bodies or well known cryptographers.  It is interesting to note that curves supported by NIST fell from favor in some circles after the NSA was suspected of placing a back door in NIST’s random number generator.  Also, the NIST equations contain long complicated constants with no explanation of why they are there.  Compare these two curves (from </a:t>
+              <a:t>Curves and base points are usually selected ahead of time by standards bodies or well-known cryptographers.  It is interesting to note that curves supported by NIST fell from favor in some circles after the NSA was suspected of placing a back door in NIST’s random number generator.  Also, the NIST equations contain long complicated constants with no explanation of why they are there.  Compare these two curves (from </a:t>
             </a:r>
             <a:r>
               <a:rPr lang="en-US" dirty="0">
@@ -2794,7 +2794,7 @@
           <a:p>
             <a:fld id="{1451AC46-F7BF-44D3-9ECB-7DDAC9A69083}" type="datetimeFigureOut">
               <a:rPr lang="en-US" smtClean="0"/>
-              <a:t>3/11/2019</a:t>
+              <a:t>11/25/2020</a:t>
             </a:fld>
             <a:endParaRPr lang="en-US"/>
           </a:p>
@@ -2992,7 +2992,7 @@
           <a:p>
             <a:fld id="{1451AC46-F7BF-44D3-9ECB-7DDAC9A69083}" type="datetimeFigureOut">
               <a:rPr lang="en-US" smtClean="0"/>
-              <a:t>3/11/2019</a:t>
+              <a:t>11/25/2020</a:t>
             </a:fld>
             <a:endParaRPr lang="en-US"/>
           </a:p>
@@ -3200,7 +3200,7 @@
           <a:p>
             <a:fld id="{1451AC46-F7BF-44D3-9ECB-7DDAC9A69083}" type="datetimeFigureOut">
               <a:rPr lang="en-US" smtClean="0"/>
-              <a:t>3/11/2019</a:t>
+              <a:t>11/25/2020</a:t>
             </a:fld>
             <a:endParaRPr lang="en-US"/>
           </a:p>
@@ -3398,7 +3398,7 @@
           <a:p>
             <a:fld id="{1451AC46-F7BF-44D3-9ECB-7DDAC9A69083}" type="datetimeFigureOut">
               <a:rPr lang="en-US" smtClean="0"/>
-              <a:t>3/11/2019</a:t>
+              <a:t>11/25/2020</a:t>
             </a:fld>
             <a:endParaRPr lang="en-US"/>
           </a:p>
@@ -3673,7 +3673,7 @@
           <a:p>
             <a:fld id="{1451AC46-F7BF-44D3-9ECB-7DDAC9A69083}" type="datetimeFigureOut">
               <a:rPr lang="en-US" smtClean="0"/>
-              <a:t>3/11/2019</a:t>
+              <a:t>11/25/2020</a:t>
             </a:fld>
             <a:endParaRPr lang="en-US"/>
           </a:p>
@@ -3938,7 +3938,7 @@
           <a:p>
             <a:fld id="{1451AC46-F7BF-44D3-9ECB-7DDAC9A69083}" type="datetimeFigureOut">
               <a:rPr lang="en-US" smtClean="0"/>
-              <a:t>3/11/2019</a:t>
+              <a:t>11/25/2020</a:t>
             </a:fld>
             <a:endParaRPr lang="en-US"/>
           </a:p>
@@ -4350,7 +4350,7 @@
           <a:p>
             <a:fld id="{1451AC46-F7BF-44D3-9ECB-7DDAC9A69083}" type="datetimeFigureOut">
               <a:rPr lang="en-US" smtClean="0"/>
-              <a:t>3/11/2019</a:t>
+              <a:t>11/25/2020</a:t>
             </a:fld>
             <a:endParaRPr lang="en-US"/>
           </a:p>
@@ -4491,7 +4491,7 @@
           <a:p>
             <a:fld id="{1451AC46-F7BF-44D3-9ECB-7DDAC9A69083}" type="datetimeFigureOut">
               <a:rPr lang="en-US" smtClean="0"/>
-              <a:t>3/11/2019</a:t>
+              <a:t>11/25/2020</a:t>
             </a:fld>
             <a:endParaRPr lang="en-US"/>
           </a:p>
@@ -4604,7 +4604,7 @@
           <a:p>
             <a:fld id="{1451AC46-F7BF-44D3-9ECB-7DDAC9A69083}" type="datetimeFigureOut">
               <a:rPr lang="en-US" smtClean="0"/>
-              <a:t>3/11/2019</a:t>
+              <a:t>11/25/2020</a:t>
             </a:fld>
             <a:endParaRPr lang="en-US"/>
           </a:p>
@@ -4915,7 +4915,7 @@
           <a:p>
             <a:fld id="{1451AC46-F7BF-44D3-9ECB-7DDAC9A69083}" type="datetimeFigureOut">
               <a:rPr lang="en-US" smtClean="0"/>
-              <a:t>3/11/2019</a:t>
+              <a:t>11/25/2020</a:t>
             </a:fld>
             <a:endParaRPr lang="en-US"/>
           </a:p>
@@ -5203,7 +5203,7 @@
           <a:p>
             <a:fld id="{1451AC46-F7BF-44D3-9ECB-7DDAC9A69083}" type="datetimeFigureOut">
               <a:rPr lang="en-US" smtClean="0"/>
-              <a:t>3/11/2019</a:t>
+              <a:t>11/25/2020</a:t>
             </a:fld>
             <a:endParaRPr lang="en-US"/>
           </a:p>
@@ -5444,7 +5444,7 @@
           <a:p>
             <a:fld id="{1451AC46-F7BF-44D3-9ECB-7DDAC9A69083}" type="datetimeFigureOut">
               <a:rPr lang="en-US" smtClean="0"/>
-              <a:t>3/11/2019</a:t>
+              <a:t>11/25/2020</a:t>
             </a:fld>
             <a:endParaRPr lang="en-US"/>
           </a:p>
@@ -6027,116 +6027,130 @@
         <p:spPr/>
         <p:txBody>
           <a:bodyPr>
-            <a:normAutofit lnSpcReduction="10000"/>
+            <a:normAutofit fontScale="92500" lnSpcReduction="10000"/>
           </a:bodyPr>
           <a:lstStyle/>
           <a:p>
             <a:r>
-              <a:rPr lang="en-US"/>
+              <a:rPr lang="en-US" dirty="0"/>
               <a:t>Choose a curve and modulus</a:t>
             </a:r>
           </a:p>
           <a:p>
             <a:pPr lvl="1"/>
             <a:r>
-              <a:rPr lang="en-US"/>
+              <a:rPr lang="en-US" dirty="0"/>
               <a:t>(There are now some curves that include an x</a:t>
             </a:r>
             <a:r>
-              <a:rPr lang="en-US" baseline="30000"/>
+              <a:rPr lang="en-US" baseline="30000" dirty="0"/>
               <a:t>2</a:t>
             </a:r>
             <a:r>
-              <a:rPr lang="en-US"/>
+              <a:rPr lang="en-US" dirty="0"/>
               <a:t> term)</a:t>
             </a:r>
           </a:p>
           <a:p>
             <a:r>
-              <a:rPr lang="en-US"/>
+              <a:rPr lang="en-US" dirty="0"/>
               <a:t>Choose a point on the curve</a:t>
             </a:r>
           </a:p>
           <a:p>
             <a:pPr lvl="1"/>
             <a:r>
-              <a:rPr lang="en-US"/>
-              <a:t>“primitive element” or base point P = (x</a:t>
-            </a:r>
-            <a:r>
-              <a:rPr lang="en-US" baseline="-25000"/>
+              <a:rPr lang="en-US" dirty="0"/>
+              <a:t>“primitive element” or base point P = (</a:t>
+            </a:r>
+            <a:r>
+              <a:rPr lang="en-US" dirty="0" err="1"/>
+              <a:t>x</a:t>
+            </a:r>
+            <a:r>
+              <a:rPr lang="en-US" baseline="-25000" dirty="0" err="1"/>
               <a:t>P</a:t>
             </a:r>
             <a:r>
-              <a:rPr lang="en-US"/>
+              <a:rPr lang="en-US" dirty="0"/>
               <a:t>, </a:t>
             </a:r>
             <a:r>
-              <a:rPr lang="en-US" err="1"/>
+              <a:rPr lang="en-US" dirty="0" err="1"/>
               <a:t>y</a:t>
             </a:r>
             <a:r>
-              <a:rPr lang="en-US" baseline="-25000" err="1"/>
+              <a:rPr lang="en-US" baseline="-25000" dirty="0" err="1"/>
               <a:t>P</a:t>
             </a:r>
             <a:r>
-              <a:rPr lang="en-US"/>
+              <a:rPr lang="en-US" dirty="0"/>
               <a:t>)</a:t>
             </a:r>
           </a:p>
           <a:p>
             <a:r>
-              <a:rPr lang="en-US"/>
+              <a:rPr lang="en-US" dirty="0"/>
               <a:t>Curve selection based on</a:t>
             </a:r>
           </a:p>
           <a:p>
             <a:pPr lvl="1"/>
             <a:r>
-              <a:rPr lang="en-US"/>
+              <a:rPr lang="en-US" dirty="0"/>
               <a:t>Security</a:t>
             </a:r>
           </a:p>
           <a:p>
             <a:pPr lvl="1"/>
             <a:r>
-              <a:rPr lang="en-US"/>
+              <a:rPr lang="en-US" dirty="0"/>
               <a:t>Speed of computation</a:t>
             </a:r>
           </a:p>
           <a:p>
             <a:r>
-              <a:rPr lang="en-US"/>
+              <a:rPr lang="en-US" dirty="0"/>
               <a:t>Small set of standard curves </a:t>
             </a:r>
             <a:r>
-              <a:rPr lang="en-US" sz="2000">
+              <a:rPr lang="en-US" sz="2000" dirty="0">
                 <a:hlinkClick r:id="rId3"/>
               </a:rPr>
               <a:t>http://safecurves.cr.yp.to/</a:t>
             </a:r>
             <a:r>
-              <a:rPr lang="en-US" sz="2000"/>
+              <a:rPr lang="en-US" sz="2000" dirty="0"/>
               <a:t> </a:t>
             </a:r>
-            <a:endParaRPr lang="en-US"/>
-          </a:p>
-          <a:p>
-            <a:r>
-              <a:rPr lang="en-US"/>
-              <a:t>NIST curves thrown out by some, after NSA suspected of putting a back door in NIST’s random number generator </a:t>
-            </a:r>
-            <a:r>
-              <a:rPr lang="en-US" sz="2000">
+            <a:endParaRPr lang="en-US" dirty="0"/>
+          </a:p>
+          <a:p>
+            <a:r>
+              <a:rPr lang="en-US" dirty="0"/>
+              <a:t>NIST curves not used by some, after NSA suspected of putting a back door in NIST’s random number generator </a:t>
+            </a:r>
+            <a:r>
+              <a:rPr lang="en-US" sz="2000" dirty="0">
                 <a:hlinkClick r:id="rId4"/>
               </a:rPr>
               <a:t>https://en.wikipedia.org/wiki/Dual_EC_DRBG</a:t>
             </a:r>
             <a:r>
-              <a:rPr lang="en-US" sz="2000"/>
+              <a:rPr lang="en-US" sz="2000" dirty="0"/>
+              <a:t>, </a:t>
+            </a:r>
+            <a:r>
+              <a:rPr lang="en-US" sz="2000" dirty="0">
+                <a:hlinkClick r:id="rId5"/>
+              </a:rPr>
+              <a:t>https://www.youtube.com/watch?v=nybVFJVXbww&amp;vl=en-GB</a:t>
+            </a:r>
+            <a:r>
+              <a:rPr lang="en-US" sz="2000" dirty="0"/>
               <a:t> </a:t>
             </a:r>
-            <a:endParaRPr lang="en-US"/>
+            <a:endParaRPr lang="en-US" dirty="0"/>
           </a:p>
         </p:txBody>
       </p:sp>
@@ -6221,45 +6235,112 @@
           <a:p>
             <a:r>
               <a:rPr lang="en-US" dirty="0"/>
-              <a:t>Alice chooses secret integer, a, gives Bob (public) A = </a:t>
+              <a:t>Alice chooses secret integer, a, gives Bob (public) </a:t>
+            </a:r>
+            <a:r>
+              <a:rPr lang="en-US" dirty="0">
+                <a:highlight>
+                  <a:srgbClr val="FFFF00"/>
+                </a:highlight>
+              </a:rPr>
+              <a:t>A = </a:t>
+            </a:r>
+            <a:r>
+              <a:rPr lang="en-US" dirty="0" err="1">
+                <a:highlight>
+                  <a:srgbClr val="FFFF00"/>
+                </a:highlight>
+              </a:rPr>
+              <a:t>aP</a:t>
+            </a:r>
+            <a:endParaRPr lang="en-US" baseline="30000" dirty="0">
+              <a:highlight>
+                <a:srgbClr val="FFFF00"/>
+              </a:highlight>
+            </a:endParaRPr>
+          </a:p>
+          <a:p>
+            <a:r>
+              <a:rPr lang="en-US" dirty="0"/>
+              <a:t>Bob chooses secret integer, b, gives Alice (public) </a:t>
+            </a:r>
+            <a:r>
+              <a:rPr lang="en-US" dirty="0">
+                <a:highlight>
+                  <a:srgbClr val="FFFF00"/>
+                </a:highlight>
+              </a:rPr>
+              <a:t>B = </a:t>
+            </a:r>
+            <a:r>
+              <a:rPr lang="en-US" dirty="0" err="1">
+                <a:highlight>
+                  <a:srgbClr val="FFFF00"/>
+                </a:highlight>
+              </a:rPr>
+              <a:t>bP</a:t>
+            </a:r>
+            <a:endParaRPr lang="en-US" baseline="30000" dirty="0">
+              <a:highlight>
+                <a:srgbClr val="FFFF00"/>
+              </a:highlight>
+            </a:endParaRPr>
+          </a:p>
+          <a:p>
+            <a:r>
+              <a:rPr lang="en-US" dirty="0"/>
+              <a:t>Alice computes key </a:t>
+            </a:r>
+            <a:r>
+              <a:rPr lang="en-US" dirty="0" err="1"/>
+              <a:t>aB</a:t>
+            </a:r>
+            <a:r>
+              <a:rPr lang="en-US" dirty="0"/>
+              <a:t> = a(</a:t>
+            </a:r>
+            <a:r>
+              <a:rPr lang="en-US" dirty="0" err="1"/>
+              <a:t>bP</a:t>
+            </a:r>
+            <a:r>
+              <a:rPr lang="en-US" dirty="0"/>
+              <a:t>) = </a:t>
+            </a:r>
+            <a:r>
+              <a:rPr lang="en-US" dirty="0" err="1"/>
+              <a:t>abP</a:t>
+            </a:r>
+            <a:endParaRPr lang="en-US" dirty="0"/>
+          </a:p>
+          <a:p>
+            <a:r>
+              <a:rPr lang="en-US" dirty="0"/>
+              <a:t>Bob computes key </a:t>
+            </a:r>
+            <a:r>
+              <a:rPr lang="en-US" dirty="0" err="1"/>
+              <a:t>bA</a:t>
+            </a:r>
+            <a:r>
+              <a:rPr lang="en-US" dirty="0"/>
+              <a:t> = b(</a:t>
             </a:r>
             <a:r>
               <a:rPr lang="en-US" dirty="0" err="1"/>
               <a:t>aP</a:t>
             </a:r>
-            <a:endParaRPr lang="en-US" baseline="30000" dirty="0"/>
-          </a:p>
-          <a:p>
-            <a:r>
-              <a:rPr lang="en-US" dirty="0"/>
-              <a:t>Bob chooses secret integer, b, gives Alice (public) B = </a:t>
-            </a:r>
-            <a:r>
-              <a:rPr lang="en-US" dirty="0" err="1"/>
-              <a:t>bP</a:t>
-            </a:r>
-            <a:endParaRPr lang="en-US" baseline="30000" dirty="0"/>
-          </a:p>
-          <a:p>
-            <a:r>
-              <a:rPr lang="en-US" dirty="0"/>
-              <a:t>Alice computes key </a:t>
-            </a:r>
-            <a:r>
-              <a:rPr lang="en-US" dirty="0" err="1"/>
-              <a:t>aB</a:t>
-            </a:r>
-            <a:r>
-              <a:rPr lang="en-US" dirty="0"/>
-              <a:t> = a(</a:t>
-            </a:r>
-            <a:r>
-              <a:rPr lang="en-US" dirty="0" err="1"/>
-              <a:t>bP</a:t>
-            </a:r>
-            <a:r>
-              <a:rPr lang="en-US" dirty="0"/>
-              <a:t>) = </a:t>
+            <a:r>
+              <a:rPr lang="en-US" dirty="0"/>
+              <a:t>)</a:t>
+            </a:r>
+            <a:r>
+              <a:rPr lang="en-US" baseline="30000" dirty="0"/>
+              <a:t> </a:t>
+            </a:r>
+            <a:r>
+              <a:rPr lang="en-US" dirty="0"/>
+              <a:t>= </a:t>
             </a:r>
             <a:r>
               <a:rPr lang="en-US" dirty="0" err="1"/>
@@ -6269,42 +6350,11 @@
           </a:p>
           <a:p>
             <a:r>
-              <a:rPr lang="en-US" dirty="0"/>
-              <a:t>Bob computes key </a:t>
-            </a:r>
-            <a:r>
-              <a:rPr lang="en-US" dirty="0" err="1"/>
-              <a:t>bA</a:t>
-            </a:r>
-            <a:r>
-              <a:rPr lang="en-US" dirty="0"/>
-              <a:t> = b(</a:t>
-            </a:r>
-            <a:r>
-              <a:rPr lang="en-US" dirty="0" err="1"/>
-              <a:t>aP</a:t>
-            </a:r>
-            <a:r>
-              <a:rPr lang="en-US" dirty="0"/>
-              <a:t>)</a:t>
-            </a:r>
-            <a:r>
-              <a:rPr lang="en-US" baseline="30000" dirty="0"/>
-              <a:t> </a:t>
-            </a:r>
-            <a:r>
-              <a:rPr lang="en-US" dirty="0"/>
-              <a:t>= </a:t>
-            </a:r>
-            <a:r>
-              <a:rPr lang="en-US" dirty="0" err="1"/>
-              <a:t>abP</a:t>
-            </a:r>
-            <a:endParaRPr lang="en-US" dirty="0"/>
-          </a:p>
-          <a:p>
-            <a:r>
-              <a:rPr lang="en-US" u="sng" dirty="0" err="1"/>
+              <a:rPr lang="en-US" u="sng" dirty="0" err="1">
+                <a:highlight>
+                  <a:srgbClr val="FFFF00"/>
+                </a:highlight>
+              </a:rPr>
               <a:t>abP</a:t>
             </a:r>
             <a:r>

--- a/5.Crypto/Cryptology7-Elliptic-Curve.pptx
+++ b/5.Crypto/Cryptology7-Elliptic-Curve.pptx
@@ -214,7 +214,7 @@
           <a:p>
             <a:fld id="{94D81996-0227-44CA-AC4C-032645537F57}" type="datetimeFigureOut">
               <a:rPr lang="en-US" smtClean="0"/>
-              <a:t>11/25/2020</a:t>
+              <a:t>11/26/2020</a:t>
             </a:fld>
             <a:endParaRPr lang="en-US"/>
           </a:p>
@@ -2794,7 +2794,7 @@
           <a:p>
             <a:fld id="{1451AC46-F7BF-44D3-9ECB-7DDAC9A69083}" type="datetimeFigureOut">
               <a:rPr lang="en-US" smtClean="0"/>
-              <a:t>11/25/2020</a:t>
+              <a:t>11/26/2020</a:t>
             </a:fld>
             <a:endParaRPr lang="en-US"/>
           </a:p>
@@ -2992,7 +2992,7 @@
           <a:p>
             <a:fld id="{1451AC46-F7BF-44D3-9ECB-7DDAC9A69083}" type="datetimeFigureOut">
               <a:rPr lang="en-US" smtClean="0"/>
-              <a:t>11/25/2020</a:t>
+              <a:t>11/26/2020</a:t>
             </a:fld>
             <a:endParaRPr lang="en-US"/>
           </a:p>
@@ -3200,7 +3200,7 @@
           <a:p>
             <a:fld id="{1451AC46-F7BF-44D3-9ECB-7DDAC9A69083}" type="datetimeFigureOut">
               <a:rPr lang="en-US" smtClean="0"/>
-              <a:t>11/25/2020</a:t>
+              <a:t>11/26/2020</a:t>
             </a:fld>
             <a:endParaRPr lang="en-US"/>
           </a:p>
@@ -3398,7 +3398,7 @@
           <a:p>
             <a:fld id="{1451AC46-F7BF-44D3-9ECB-7DDAC9A69083}" type="datetimeFigureOut">
               <a:rPr lang="en-US" smtClean="0"/>
-              <a:t>11/25/2020</a:t>
+              <a:t>11/26/2020</a:t>
             </a:fld>
             <a:endParaRPr lang="en-US"/>
           </a:p>
@@ -3673,7 +3673,7 @@
           <a:p>
             <a:fld id="{1451AC46-F7BF-44D3-9ECB-7DDAC9A69083}" type="datetimeFigureOut">
               <a:rPr lang="en-US" smtClean="0"/>
-              <a:t>11/25/2020</a:t>
+              <a:t>11/26/2020</a:t>
             </a:fld>
             <a:endParaRPr lang="en-US"/>
           </a:p>
@@ -3938,7 +3938,7 @@
           <a:p>
             <a:fld id="{1451AC46-F7BF-44D3-9ECB-7DDAC9A69083}" type="datetimeFigureOut">
               <a:rPr lang="en-US" smtClean="0"/>
-              <a:t>11/25/2020</a:t>
+              <a:t>11/26/2020</a:t>
             </a:fld>
             <a:endParaRPr lang="en-US"/>
           </a:p>
@@ -4350,7 +4350,7 @@
           <a:p>
             <a:fld id="{1451AC46-F7BF-44D3-9ECB-7DDAC9A69083}" type="datetimeFigureOut">
               <a:rPr lang="en-US" smtClean="0"/>
-              <a:t>11/25/2020</a:t>
+              <a:t>11/26/2020</a:t>
             </a:fld>
             <a:endParaRPr lang="en-US"/>
           </a:p>
@@ -4491,7 +4491,7 @@
           <a:p>
             <a:fld id="{1451AC46-F7BF-44D3-9ECB-7DDAC9A69083}" type="datetimeFigureOut">
               <a:rPr lang="en-US" smtClean="0"/>
-              <a:t>11/25/2020</a:t>
+              <a:t>11/26/2020</a:t>
             </a:fld>
             <a:endParaRPr lang="en-US"/>
           </a:p>
@@ -4604,7 +4604,7 @@
           <a:p>
             <a:fld id="{1451AC46-F7BF-44D3-9ECB-7DDAC9A69083}" type="datetimeFigureOut">
               <a:rPr lang="en-US" smtClean="0"/>
-              <a:t>11/25/2020</a:t>
+              <a:t>11/26/2020</a:t>
             </a:fld>
             <a:endParaRPr lang="en-US"/>
           </a:p>
@@ -4915,7 +4915,7 @@
           <a:p>
             <a:fld id="{1451AC46-F7BF-44D3-9ECB-7DDAC9A69083}" type="datetimeFigureOut">
               <a:rPr lang="en-US" smtClean="0"/>
-              <a:t>11/25/2020</a:t>
+              <a:t>11/26/2020</a:t>
             </a:fld>
             <a:endParaRPr lang="en-US"/>
           </a:p>
@@ -5203,7 +5203,7 @@
           <a:p>
             <a:fld id="{1451AC46-F7BF-44D3-9ECB-7DDAC9A69083}" type="datetimeFigureOut">
               <a:rPr lang="en-US" smtClean="0"/>
-              <a:t>11/25/2020</a:t>
+              <a:t>11/26/2020</a:t>
             </a:fld>
             <a:endParaRPr lang="en-US"/>
           </a:p>
@@ -5444,7 +5444,7 @@
           <a:p>
             <a:fld id="{1451AC46-F7BF-44D3-9ECB-7DDAC9A69083}" type="datetimeFigureOut">
               <a:rPr lang="en-US" smtClean="0"/>
-              <a:t>11/25/2020</a:t>
+              <a:t>11/26/2020</a:t>
             </a:fld>
             <a:endParaRPr lang="en-US"/>
           </a:p>
